--- a/Resources/Brand Scheme Finder.pptx
+++ b/Resources/Brand Scheme Finder.pptx
@@ -3488,15 +3488,21 @@
             <a:r>
               <a:rPr lang="en-US" dirty="0" err="1">
                 <a:solidFill>
+                  <a:srgbClr val="EBEBEB"/>
+                </a:solidFill>
+                <a:highlight>
                   <a:srgbClr val="5696EB"/>
-                </a:solidFill>
+                </a:highlight>
               </a:rPr>
               <a:t>fasdfasd</a:t>
             </a:r>
             <a:endParaRPr lang="en-US" dirty="0">
               <a:solidFill>
+                <a:srgbClr val="EBEBEB"/>
+              </a:solidFill>
+              <a:highlight>
                 <a:srgbClr val="5696EB"/>
-              </a:solidFill>
+              </a:highlight>
             </a:endParaRPr>
           </a:p>
         </p:txBody>
